--- a/docs/diagrams/logicDeleteRecordSequenceDiagram.pptx
+++ b/docs/diagrams/logicDeleteRecordSequenceDiagram.pptx
@@ -208,7 +208,7 @@
           <a:p>
             <a:fld id="{F5CC4B3F-88C1-4FFA-B1B6-F41C21DC6924}" type="datetimeFigureOut">
               <a:rPr lang="en-US" smtClean="0"/>
-              <a:t>4/1/2019</a:t>
+              <a:t>4/11/2019</a:t>
             </a:fld>
             <a:endParaRPr lang="en-US"/>
           </a:p>
@@ -475,6 +475,90 @@
 </p:notesMaster>
 </file>
 
+<file path=ppt/notesSlides/notesSlide1.xml><?xml version="1.0" encoding="utf-8"?>
+<p:notes xmlns:a="http://schemas.openxmlformats.org/drawingml/2006/main" xmlns:r="http://schemas.openxmlformats.org/officeDocument/2006/relationships" xmlns:p="http://schemas.openxmlformats.org/presentationml/2006/main">
+  <p:cSld>
+    <p:spTree>
+      <p:nvGrpSpPr>
+        <p:cNvPr id="1" name=""/>
+        <p:cNvGrpSpPr/>
+        <p:nvPr/>
+      </p:nvGrpSpPr>
+      <p:grpSpPr>
+        <a:xfrm>
+          <a:off x="0" y="0"/>
+          <a:ext cx="0" cy="0"/>
+          <a:chOff x="0" y="0"/>
+          <a:chExt cx="0" cy="0"/>
+        </a:xfrm>
+      </p:grpSpPr>
+      <p:sp>
+        <p:nvSpPr>
+          <p:cNvPr id="2" name="Slide Image Placeholder 1"/>
+          <p:cNvSpPr>
+            <a:spLocks noGrp="1" noRot="1" noChangeAspect="1"/>
+          </p:cNvSpPr>
+          <p:nvPr>
+            <p:ph type="sldImg"/>
+          </p:nvPr>
+        </p:nvSpPr>
+        <p:spPr/>
+      </p:sp>
+      <p:sp>
+        <p:nvSpPr>
+          <p:cNvPr id="3" name="Notes Placeholder 2"/>
+          <p:cNvSpPr>
+            <a:spLocks noGrp="1"/>
+          </p:cNvSpPr>
+          <p:nvPr>
+            <p:ph type="body" idx="1"/>
+          </p:nvPr>
+        </p:nvSpPr>
+        <p:spPr/>
+        <p:txBody>
+          <a:bodyPr/>
+          <a:lstStyle/>
+          <a:p>
+            <a:endParaRPr lang="en-SG" dirty="0"/>
+          </a:p>
+        </p:txBody>
+      </p:sp>
+      <p:sp>
+        <p:nvSpPr>
+          <p:cNvPr id="4" name="Slide Number Placeholder 3"/>
+          <p:cNvSpPr>
+            <a:spLocks noGrp="1"/>
+          </p:cNvSpPr>
+          <p:nvPr>
+            <p:ph type="sldNum" sz="quarter" idx="5"/>
+          </p:nvPr>
+        </p:nvSpPr>
+        <p:spPr/>
+        <p:txBody>
+          <a:bodyPr/>
+          <a:lstStyle/>
+          <a:p>
+            <a:fld id="{5A7AB025-77E3-4BD1-A2FD-B3183DBA47A3}" type="slidenum">
+              <a:rPr lang="en-US" smtClean="0"/>
+              <a:t>1</a:t>
+            </a:fld>
+            <a:endParaRPr lang="en-US"/>
+          </a:p>
+        </p:txBody>
+      </p:sp>
+    </p:spTree>
+    <p:extLst>
+      <p:ext uri="{BB962C8B-B14F-4D97-AF65-F5344CB8AC3E}">
+        <p14:creationId xmlns:p14="http://schemas.microsoft.com/office/powerpoint/2010/main" val="1196948369"/>
+      </p:ext>
+    </p:extLst>
+  </p:cSld>
+  <p:clrMapOvr>
+    <a:masterClrMapping/>
+  </p:clrMapOvr>
+</p:notes>
+</file>
+
 <file path=ppt/slideLayouts/slideLayout1.xml><?xml version="1.0" encoding="utf-8"?>
 <p:sldLayout xmlns:a="http://schemas.openxmlformats.org/drawingml/2006/main" xmlns:r="http://schemas.openxmlformats.org/officeDocument/2006/relationships" xmlns:p="http://schemas.openxmlformats.org/presentationml/2006/main" type="title" preserve="1">
   <p:cSld name="Title Slide">
@@ -654,7 +738,7 @@
           <a:p>
             <a:fld id="{78C97017-6FC3-485B-9764-EAC9E56C1D49}" type="datetimeFigureOut">
               <a:rPr lang="en-US" smtClean="0"/>
-              <a:t>4/1/2019</a:t>
+              <a:t>4/11/2019</a:t>
             </a:fld>
             <a:endParaRPr lang="en-US"/>
           </a:p>
@@ -822,7 +906,7 @@
           <a:p>
             <a:fld id="{78C97017-6FC3-485B-9764-EAC9E56C1D49}" type="datetimeFigureOut">
               <a:rPr lang="en-US" smtClean="0"/>
-              <a:t>4/1/2019</a:t>
+              <a:t>4/11/2019</a:t>
             </a:fld>
             <a:endParaRPr lang="en-US"/>
           </a:p>
@@ -1000,7 +1084,7 @@
           <a:p>
             <a:fld id="{78C97017-6FC3-485B-9764-EAC9E56C1D49}" type="datetimeFigureOut">
               <a:rPr lang="en-US" smtClean="0"/>
-              <a:t>4/1/2019</a:t>
+              <a:t>4/11/2019</a:t>
             </a:fld>
             <a:endParaRPr lang="en-US"/>
           </a:p>
@@ -1168,7 +1252,7 @@
           <a:p>
             <a:fld id="{78C97017-6FC3-485B-9764-EAC9E56C1D49}" type="datetimeFigureOut">
               <a:rPr lang="en-US" smtClean="0"/>
-              <a:t>4/1/2019</a:t>
+              <a:t>4/11/2019</a:t>
             </a:fld>
             <a:endParaRPr lang="en-US"/>
           </a:p>
@@ -1413,7 +1497,7 @@
           <a:p>
             <a:fld id="{78C97017-6FC3-485B-9764-EAC9E56C1D49}" type="datetimeFigureOut">
               <a:rPr lang="en-US" smtClean="0"/>
-              <a:t>4/1/2019</a:t>
+              <a:t>4/11/2019</a:t>
             </a:fld>
             <a:endParaRPr lang="en-US"/>
           </a:p>
@@ -1698,7 +1782,7 @@
           <a:p>
             <a:fld id="{78C97017-6FC3-485B-9764-EAC9E56C1D49}" type="datetimeFigureOut">
               <a:rPr lang="en-US" smtClean="0"/>
-              <a:t>4/1/2019</a:t>
+              <a:t>4/11/2019</a:t>
             </a:fld>
             <a:endParaRPr lang="en-US"/>
           </a:p>
@@ -2117,7 +2201,7 @@
           <a:p>
             <a:fld id="{78C97017-6FC3-485B-9764-EAC9E56C1D49}" type="datetimeFigureOut">
               <a:rPr lang="en-US" smtClean="0"/>
-              <a:t>4/1/2019</a:t>
+              <a:t>4/11/2019</a:t>
             </a:fld>
             <a:endParaRPr lang="en-US"/>
           </a:p>
@@ -2234,7 +2318,7 @@
           <a:p>
             <a:fld id="{78C97017-6FC3-485B-9764-EAC9E56C1D49}" type="datetimeFigureOut">
               <a:rPr lang="en-US" smtClean="0"/>
-              <a:t>4/1/2019</a:t>
+              <a:t>4/11/2019</a:t>
             </a:fld>
             <a:endParaRPr lang="en-US"/>
           </a:p>
@@ -2329,7 +2413,7 @@
           <a:p>
             <a:fld id="{78C97017-6FC3-485B-9764-EAC9E56C1D49}" type="datetimeFigureOut">
               <a:rPr lang="en-US" smtClean="0"/>
-              <a:t>4/1/2019</a:t>
+              <a:t>4/11/2019</a:t>
             </a:fld>
             <a:endParaRPr lang="en-US"/>
           </a:p>
@@ -2604,7 +2688,7 @@
           <a:p>
             <a:fld id="{78C97017-6FC3-485B-9764-EAC9E56C1D49}" type="datetimeFigureOut">
               <a:rPr lang="en-US" smtClean="0"/>
-              <a:t>4/1/2019</a:t>
+              <a:t>4/11/2019</a:t>
             </a:fld>
             <a:endParaRPr lang="en-US"/>
           </a:p>
@@ -2856,7 +2940,7 @@
           <a:p>
             <a:fld id="{78C97017-6FC3-485B-9764-EAC9E56C1D49}" type="datetimeFigureOut">
               <a:rPr lang="en-US" smtClean="0"/>
-              <a:t>4/1/2019</a:t>
+              <a:t>4/11/2019</a:t>
             </a:fld>
             <a:endParaRPr lang="en-US"/>
           </a:p>
@@ -3067,7 +3151,7 @@
           <a:p>
             <a:fld id="{78C97017-6FC3-485B-9764-EAC9E56C1D49}" type="datetimeFigureOut">
               <a:rPr lang="en-US" smtClean="0"/>
-              <a:t>4/1/2019</a:t>
+              <a:t>4/11/2019</a:t>
             </a:fld>
             <a:endParaRPr lang="en-US"/>
           </a:p>
@@ -3456,7 +3540,7 @@
         </p:nvSpPr>
         <p:spPr>
           <a:xfrm>
-            <a:off x="-28803" y="118374"/>
+            <a:off x="-525523" y="171518"/>
             <a:ext cx="8489282" cy="4910823"/>
           </a:xfrm>
           <a:prstGeom prst="roundRect">
@@ -3517,7 +3601,7 @@
         </p:nvSpPr>
         <p:spPr>
           <a:xfrm>
-            <a:off x="883145" y="543946"/>
+            <a:off x="386425" y="597090"/>
             <a:ext cx="1455629" cy="346760"/>
           </a:xfrm>
           <a:prstGeom prst="rect">
@@ -3586,7 +3670,7 @@
         </p:nvCxnSpPr>
         <p:spPr>
           <a:xfrm>
-            <a:off x="1610959" y="907617"/>
+            <a:off x="1114239" y="960761"/>
             <a:ext cx="0" cy="3481399"/>
           </a:xfrm>
           <a:prstGeom prst="line">
@@ -3623,7 +3707,7 @@
         </p:nvSpPr>
         <p:spPr>
           <a:xfrm>
-            <a:off x="1538951" y="1258311"/>
+            <a:off x="1042231" y="1311455"/>
             <a:ext cx="158990" cy="3217490"/>
           </a:xfrm>
           <a:prstGeom prst="rect">
@@ -3670,7 +3754,7 @@
         </p:nvSpPr>
         <p:spPr>
           <a:xfrm>
-            <a:off x="2667000" y="228600"/>
+            <a:off x="2170280" y="281744"/>
             <a:ext cx="1492973" cy="586549"/>
           </a:xfrm>
           <a:prstGeom prst="rect">
@@ -3739,7 +3823,7 @@
         </p:nvCxnSpPr>
         <p:spPr>
           <a:xfrm flipH="1">
-            <a:off x="3443629" y="832060"/>
+            <a:off x="2946909" y="885204"/>
             <a:ext cx="15242" cy="1976488"/>
           </a:xfrm>
           <a:prstGeom prst="line">
@@ -3776,7 +3860,7 @@
         </p:nvSpPr>
         <p:spPr>
           <a:xfrm>
-            <a:off x="3386864" y="1371600"/>
+            <a:off x="2890144" y="1424744"/>
             <a:ext cx="188586" cy="1265852"/>
           </a:xfrm>
           <a:prstGeom prst="rect">
@@ -3829,7 +3913,7 @@
         </p:nvCxnSpPr>
         <p:spPr>
           <a:xfrm flipH="1">
-            <a:off x="5050218" y="1590990"/>
+            <a:off x="4553498" y="1644134"/>
             <a:ext cx="40650" cy="1076010"/>
           </a:xfrm>
           <a:prstGeom prst="line">
@@ -3866,7 +3950,7 @@
         </p:nvSpPr>
         <p:spPr>
           <a:xfrm>
-            <a:off x="4998174" y="1613633"/>
+            <a:off x="4501454" y="1666777"/>
             <a:ext cx="152400" cy="276003"/>
           </a:xfrm>
           <a:prstGeom prst="rect">
@@ -3915,7 +3999,7 @@
         </p:nvCxnSpPr>
         <p:spPr>
           <a:xfrm>
-            <a:off x="419100" y="1261999"/>
+            <a:off x="-77620" y="1315143"/>
             <a:ext cx="1119851" cy="0"/>
           </a:xfrm>
           <a:prstGeom prst="straightConnector1">
@@ -3951,7 +4035,7 @@
         </p:nvSpPr>
         <p:spPr>
           <a:xfrm>
-            <a:off x="38100" y="990600"/>
+            <a:off x="-458620" y="1043744"/>
             <a:ext cx="1424846" cy="215444"/>
           </a:xfrm>
           <a:prstGeom prst="rect">
@@ -3987,7 +4071,7 @@
         </p:nvCxnSpPr>
         <p:spPr>
           <a:xfrm flipV="1">
-            <a:off x="3441032" y="1474367"/>
+            <a:off x="2944312" y="1527511"/>
             <a:ext cx="981820" cy="5517"/>
           </a:xfrm>
           <a:prstGeom prst="straightConnector1">
@@ -4023,7 +4107,7 @@
         </p:nvSpPr>
         <p:spPr>
           <a:xfrm>
-            <a:off x="3784942" y="2701502"/>
+            <a:off x="3288222" y="2754646"/>
             <a:ext cx="855809" cy="215444"/>
           </a:xfrm>
           <a:prstGeom prst="rect">
@@ -4065,7 +4149,7 @@
         </p:nvCxnSpPr>
         <p:spPr>
           <a:xfrm>
-            <a:off x="3607760" y="1878232"/>
+            <a:off x="3111040" y="1931376"/>
             <a:ext cx="1328843" cy="0"/>
           </a:xfrm>
           <a:prstGeom prst="straightConnector1">
@@ -4100,13 +4184,14 @@
           <p:cNvPr id="35" name="Straight Arrow Connector 34"/>
           <p:cNvCxnSpPr>
             <a:cxnSpLocks/>
+            <a:endCxn id="18" idx="2"/>
           </p:cNvCxnSpPr>
           <p:nvPr/>
         </p:nvCxnSpPr>
         <p:spPr>
-          <a:xfrm flipV="1">
-            <a:off x="1691351" y="2649448"/>
-            <a:ext cx="1638319" cy="17552"/>
+          <a:xfrm>
+            <a:off x="1201221" y="2682710"/>
+            <a:ext cx="1783216" cy="7886"/>
           </a:xfrm>
           <a:prstGeom prst="straightConnector1">
             <a:avLst/>
@@ -4145,7 +4230,7 @@
         </p:nvCxnSpPr>
         <p:spPr>
           <a:xfrm>
-            <a:off x="301618" y="4475801"/>
+            <a:off x="-195102" y="4528945"/>
             <a:ext cx="1196051" cy="0"/>
           </a:xfrm>
           <a:prstGeom prst="straightConnector1">
@@ -4183,7 +4268,7 @@
         </p:nvSpPr>
         <p:spPr>
           <a:xfrm>
-            <a:off x="7050786" y="2895600"/>
+            <a:off x="6554066" y="2948744"/>
             <a:ext cx="156492" cy="1457939"/>
           </a:xfrm>
           <a:prstGeom prst="rect">
@@ -4230,7 +4315,7 @@
         </p:nvSpPr>
         <p:spPr>
           <a:xfrm>
-            <a:off x="6928270" y="2787135"/>
+            <a:off x="6431550" y="2840279"/>
             <a:ext cx="1392439" cy="184666"/>
           </a:xfrm>
           <a:prstGeom prst="rect">
@@ -4287,7 +4372,7 @@
         </p:nvSpPr>
         <p:spPr>
           <a:xfrm>
-            <a:off x="1224649" y="1130101"/>
+            <a:off x="727929" y="1183245"/>
             <a:ext cx="1899551" cy="215444"/>
           </a:xfrm>
           <a:prstGeom prst="rect">
@@ -4327,7 +4412,7 @@
         </p:nvSpPr>
         <p:spPr>
           <a:xfrm>
-            <a:off x="3755365" y="4016458"/>
+            <a:off x="3258695" y="4177324"/>
             <a:ext cx="621216" cy="215444"/>
           </a:xfrm>
           <a:prstGeom prst="rect">
@@ -4367,7 +4452,7 @@
         </p:nvSpPr>
         <p:spPr>
           <a:xfrm>
-            <a:off x="428817" y="4204401"/>
+            <a:off x="-50659" y="4281722"/>
             <a:ext cx="762000" cy="215444"/>
           </a:xfrm>
           <a:prstGeom prst="rect">
@@ -4407,7 +4492,7 @@
         </p:nvSpPr>
         <p:spPr>
           <a:xfrm>
-            <a:off x="2483316" y="2402204"/>
+            <a:off x="1986596" y="2455348"/>
             <a:ext cx="220343" cy="215444"/>
           </a:xfrm>
           <a:prstGeom prst="rect">
@@ -4449,8 +4534,8 @@
         </p:nvCxnSpPr>
         <p:spPr>
           <a:xfrm>
-            <a:off x="7272629" y="3011906"/>
-            <a:ext cx="1210345" cy="0"/>
+            <a:off x="6724621" y="3072234"/>
+            <a:ext cx="1791534" cy="0"/>
           </a:xfrm>
           <a:prstGeom prst="straightConnector1">
             <a:avLst/>
@@ -4485,7 +4570,7 @@
         </p:nvSpPr>
         <p:spPr>
           <a:xfrm>
-            <a:off x="4921015" y="2648277"/>
+            <a:off x="4424296" y="2611982"/>
             <a:ext cx="258404" cy="261610"/>
           </a:xfrm>
           <a:prstGeom prst="rect">
@@ -4518,7 +4603,7 @@
         </p:nvSpPr>
         <p:spPr>
           <a:xfrm>
-            <a:off x="4409115" y="1143678"/>
+            <a:off x="3912395" y="1196822"/>
             <a:ext cx="1763085" cy="612920"/>
           </a:xfrm>
           <a:prstGeom prst="rect">
@@ -4609,7 +4694,7 @@
         </p:nvCxnSpPr>
         <p:spPr>
           <a:xfrm flipV="1">
-            <a:off x="1691351" y="2951448"/>
+            <a:off x="1194631" y="3004592"/>
             <a:ext cx="5304267" cy="20356"/>
           </a:xfrm>
           <a:prstGeom prst="straightConnector1">
@@ -4653,7 +4738,7 @@
         </p:nvCxnSpPr>
         <p:spPr>
           <a:xfrm>
-            <a:off x="1708245" y="1363918"/>
+            <a:off x="1211525" y="1417062"/>
             <a:ext cx="1687894" cy="11994"/>
           </a:xfrm>
           <a:prstGeom prst="straightConnector1">
@@ -4692,13 +4777,14 @@
           </p:cNvPr>
           <p:cNvCxnSpPr>
             <a:cxnSpLocks/>
+            <a:endCxn id="65" idx="2"/>
           </p:cNvCxnSpPr>
           <p:nvPr/>
         </p:nvCxnSpPr>
         <p:spPr>
           <a:xfrm>
-            <a:off x="1691998" y="4353539"/>
-            <a:ext cx="5303620" cy="0"/>
+            <a:off x="1195278" y="4406683"/>
+            <a:ext cx="5437034" cy="0"/>
           </a:xfrm>
           <a:prstGeom prst="straightConnector1">
             <a:avLst/>
@@ -4743,8 +4829,8 @@
         </p:nvCxnSpPr>
         <p:spPr>
           <a:xfrm>
-            <a:off x="7212108" y="3327511"/>
-            <a:ext cx="1296056" cy="0"/>
+            <a:off x="6701624" y="3316896"/>
+            <a:ext cx="1814531" cy="0"/>
           </a:xfrm>
           <a:prstGeom prst="straightConnector1">
             <a:avLst/>
@@ -4787,7 +4873,7 @@
         </p:nvSpPr>
         <p:spPr>
           <a:xfrm>
-            <a:off x="6400800" y="1429873"/>
+            <a:off x="5841002" y="1536768"/>
             <a:ext cx="1544052" cy="538795"/>
           </a:xfrm>
           <a:prstGeom prst="rect">
@@ -4852,8 +4938,8 @@
         </p:nvSpPr>
         <p:spPr>
           <a:xfrm>
-            <a:off x="7059708" y="1969974"/>
-            <a:ext cx="152400" cy="276003"/>
+            <a:off x="6572044" y="2049988"/>
+            <a:ext cx="152577" cy="240031"/>
           </a:xfrm>
           <a:prstGeom prst="rect">
             <a:avLst/>
@@ -4970,8 +5056,8 @@
         </p:nvSpPr>
         <p:spPr>
           <a:xfrm>
-            <a:off x="8525830" y="2971801"/>
-            <a:ext cx="148408" cy="355710"/>
+            <a:off x="8530218" y="3072234"/>
+            <a:ext cx="145106" cy="244658"/>
           </a:xfrm>
           <a:prstGeom prst="rect">
             <a:avLst/>
@@ -5025,7 +5111,7 @@
         </p:nvCxnSpPr>
         <p:spPr>
           <a:xfrm>
-            <a:off x="8581645" y="762000"/>
+            <a:off x="8590022" y="780723"/>
             <a:ext cx="27242" cy="3513940"/>
           </a:xfrm>
           <a:prstGeom prst="line">
@@ -5068,7 +5154,7 @@
         </p:nvSpPr>
         <p:spPr>
           <a:xfrm>
-            <a:off x="4998174" y="1984733"/>
+            <a:off x="4501454" y="2037877"/>
             <a:ext cx="152400" cy="556335"/>
           </a:xfrm>
           <a:prstGeom prst="rect">
@@ -5128,7 +5214,7 @@
         </p:nvCxnSpPr>
         <p:spPr>
           <a:xfrm>
-            <a:off x="3551636" y="2541068"/>
+            <a:off x="3054916" y="2594212"/>
             <a:ext cx="1522738" cy="0"/>
           </a:xfrm>
           <a:prstGeom prst="straightConnector1">
@@ -5174,7 +5260,7 @@
         </p:nvCxnSpPr>
         <p:spPr>
           <a:xfrm>
-            <a:off x="3542985" y="1996844"/>
+            <a:off x="3046265" y="2049988"/>
             <a:ext cx="1445661" cy="0"/>
           </a:xfrm>
           <a:prstGeom prst="straightConnector1">
@@ -5216,7 +5302,7 @@
         </p:nvSpPr>
         <p:spPr>
           <a:xfrm>
-            <a:off x="2800677" y="2003743"/>
+            <a:off x="2303957" y="2056887"/>
             <a:ext cx="1899551" cy="215444"/>
           </a:xfrm>
           <a:prstGeom prst="rect">
@@ -5264,7 +5350,7 @@
         </p:nvCxnSpPr>
         <p:spPr>
           <a:xfrm>
-            <a:off x="5168552" y="2005146"/>
+            <a:off x="4671832" y="2058290"/>
             <a:ext cx="1172542" cy="0"/>
           </a:xfrm>
           <a:prstGeom prst="straightConnector1">
@@ -5303,14 +5389,13 @@
           </p:cNvPr>
           <p:cNvCxnSpPr>
             <a:cxnSpLocks/>
-            <a:stCxn id="55" idx="3"/>
           </p:cNvCxnSpPr>
           <p:nvPr/>
         </p:nvCxnSpPr>
         <p:spPr>
           <a:xfrm>
-            <a:off x="5150574" y="2262901"/>
-            <a:ext cx="1845044" cy="0"/>
+            <a:off x="4653854" y="2272331"/>
+            <a:ext cx="1900212" cy="0"/>
           </a:xfrm>
           <a:prstGeom prst="straightConnector1">
             <a:avLst/>
@@ -5350,13 +5435,14 @@
           </p:cNvPr>
           <p:cNvCxnSpPr>
             <a:cxnSpLocks/>
+            <a:stCxn id="45" idx="0"/>
           </p:cNvCxnSpPr>
           <p:nvPr/>
         </p:nvCxnSpPr>
         <p:spPr>
           <a:xfrm flipH="1">
-            <a:off x="7130396" y="1870570"/>
-            <a:ext cx="21010" cy="2724532"/>
+            <a:off x="6633677" y="2049988"/>
+            <a:ext cx="14656" cy="2598258"/>
           </a:xfrm>
           <a:prstGeom prst="line">
             <a:avLst/>
@@ -5398,8 +5484,8 @@
         </p:nvSpPr>
         <p:spPr>
           <a:xfrm>
-            <a:off x="7399595" y="3390852"/>
-            <a:ext cx="1062670" cy="668841"/>
+            <a:off x="6902875" y="3443996"/>
+            <a:ext cx="1060884" cy="668841"/>
           </a:xfrm>
           <a:prstGeom prst="rect">
             <a:avLst/>
@@ -5463,7 +5549,7 @@
         </p:nvSpPr>
         <p:spPr>
           <a:xfrm>
-            <a:off x="7854729" y="4059694"/>
+            <a:off x="7358009" y="4112838"/>
             <a:ext cx="156491" cy="128972"/>
           </a:xfrm>
           <a:prstGeom prst="rect">
@@ -5518,7 +5604,7 @@
         </p:nvCxnSpPr>
         <p:spPr>
           <a:xfrm flipV="1">
-            <a:off x="7207278" y="4188666"/>
+            <a:off x="6710558" y="4241810"/>
             <a:ext cx="647451" cy="2334"/>
           </a:xfrm>
           <a:prstGeom prst="straightConnector1">
@@ -5564,7 +5650,7 @@
         </p:nvCxnSpPr>
         <p:spPr>
           <a:xfrm flipV="1">
-            <a:off x="7086600" y="3578734"/>
+            <a:off x="6589880" y="3631878"/>
             <a:ext cx="308796" cy="2666"/>
           </a:xfrm>
           <a:prstGeom prst="straightConnector1">
